--- a/Calendario2024/Presentaciones/Direc_Subneteo_Alumnos.pptx
+++ b/Calendario2024/Presentaciones/Direc_Subneteo_Alumnos.pptx
@@ -214,7 +214,7 @@
           <a:p>
             <a:fld id="{2D445F07-8756-451B-A938-0248325FC7BB}" type="datetimeFigureOut">
               <a:rPr lang="es-MX" smtClean="0"/>
-              <a:t>18/02/2024</a:t>
+              <a:t>22/02/2024</a:t>
             </a:fld>
             <a:endParaRPr lang="es-MX" dirty="0"/>
           </a:p>
@@ -1043,7 +1043,7 @@
           <a:p>
             <a:fld id="{5E75A0DC-66C6-4CEC-A5EB-F8C97CEC3796}" type="datetimeFigureOut">
               <a:rPr lang="es-MX" smtClean="0"/>
-              <a:t>18/02/2024</a:t>
+              <a:t>22/02/2024</a:t>
             </a:fld>
             <a:endParaRPr lang="es-MX" dirty="0"/>
           </a:p>
@@ -1213,7 +1213,7 @@
           <a:p>
             <a:fld id="{5E75A0DC-66C6-4CEC-A5EB-F8C97CEC3796}" type="datetimeFigureOut">
               <a:rPr lang="es-MX" smtClean="0"/>
-              <a:t>18/02/2024</a:t>
+              <a:t>22/02/2024</a:t>
             </a:fld>
             <a:endParaRPr lang="es-MX" dirty="0"/>
           </a:p>
@@ -1393,7 +1393,7 @@
           <a:p>
             <a:fld id="{5E75A0DC-66C6-4CEC-A5EB-F8C97CEC3796}" type="datetimeFigureOut">
               <a:rPr lang="es-MX" smtClean="0"/>
-              <a:t>18/02/2024</a:t>
+              <a:t>22/02/2024</a:t>
             </a:fld>
             <a:endParaRPr lang="es-MX" dirty="0"/>
           </a:p>
@@ -1563,7 +1563,7 @@
           <a:p>
             <a:fld id="{5E75A0DC-66C6-4CEC-A5EB-F8C97CEC3796}" type="datetimeFigureOut">
               <a:rPr lang="es-MX" smtClean="0"/>
-              <a:t>18/02/2024</a:t>
+              <a:t>22/02/2024</a:t>
             </a:fld>
             <a:endParaRPr lang="es-MX" dirty="0"/>
           </a:p>
@@ -1809,7 +1809,7 @@
           <a:p>
             <a:fld id="{5E75A0DC-66C6-4CEC-A5EB-F8C97CEC3796}" type="datetimeFigureOut">
               <a:rPr lang="es-MX" smtClean="0"/>
-              <a:t>18/02/2024</a:t>
+              <a:t>22/02/2024</a:t>
             </a:fld>
             <a:endParaRPr lang="es-MX" dirty="0"/>
           </a:p>
@@ -2097,7 +2097,7 @@
           <a:p>
             <a:fld id="{5E75A0DC-66C6-4CEC-A5EB-F8C97CEC3796}" type="datetimeFigureOut">
               <a:rPr lang="es-MX" smtClean="0"/>
-              <a:t>18/02/2024</a:t>
+              <a:t>22/02/2024</a:t>
             </a:fld>
             <a:endParaRPr lang="es-MX" dirty="0"/>
           </a:p>
@@ -2519,7 +2519,7 @@
           <a:p>
             <a:fld id="{5E75A0DC-66C6-4CEC-A5EB-F8C97CEC3796}" type="datetimeFigureOut">
               <a:rPr lang="es-MX" smtClean="0"/>
-              <a:t>18/02/2024</a:t>
+              <a:t>22/02/2024</a:t>
             </a:fld>
             <a:endParaRPr lang="es-MX" dirty="0"/>
           </a:p>
@@ -2637,7 +2637,7 @@
           <a:p>
             <a:fld id="{5E75A0DC-66C6-4CEC-A5EB-F8C97CEC3796}" type="datetimeFigureOut">
               <a:rPr lang="es-MX" smtClean="0"/>
-              <a:t>18/02/2024</a:t>
+              <a:t>22/02/2024</a:t>
             </a:fld>
             <a:endParaRPr lang="es-MX" dirty="0"/>
           </a:p>
@@ -2732,7 +2732,7 @@
           <a:p>
             <a:fld id="{5E75A0DC-66C6-4CEC-A5EB-F8C97CEC3796}" type="datetimeFigureOut">
               <a:rPr lang="es-MX" smtClean="0"/>
-              <a:t>18/02/2024</a:t>
+              <a:t>22/02/2024</a:t>
             </a:fld>
             <a:endParaRPr lang="es-MX" dirty="0"/>
           </a:p>
@@ -3009,7 +3009,7 @@
           <a:p>
             <a:fld id="{5E75A0DC-66C6-4CEC-A5EB-F8C97CEC3796}" type="datetimeFigureOut">
               <a:rPr lang="es-MX" smtClean="0"/>
-              <a:t>18/02/2024</a:t>
+              <a:t>22/02/2024</a:t>
             </a:fld>
             <a:endParaRPr lang="es-MX" dirty="0"/>
           </a:p>
@@ -3262,7 +3262,7 @@
           <a:p>
             <a:fld id="{5E75A0DC-66C6-4CEC-A5EB-F8C97CEC3796}" type="datetimeFigureOut">
               <a:rPr lang="es-MX" smtClean="0"/>
-              <a:t>18/02/2024</a:t>
+              <a:t>22/02/2024</a:t>
             </a:fld>
             <a:endParaRPr lang="es-MX" dirty="0"/>
           </a:p>
@@ -3475,7 +3475,7 @@
           <a:p>
             <a:fld id="{5E75A0DC-66C6-4CEC-A5EB-F8C97CEC3796}" type="datetimeFigureOut">
               <a:rPr lang="es-MX" smtClean="0"/>
-              <a:t>18/02/2024</a:t>
+              <a:t>22/02/2024</a:t>
             </a:fld>
             <a:endParaRPr lang="es-MX" dirty="0"/>
           </a:p>
@@ -4042,7 +4042,7 @@
         </p:nvSpPr>
         <p:spPr>
           <a:xfrm>
-            <a:off x="1691680" y="1543858"/>
+            <a:off x="1691680" y="1500779"/>
             <a:ext cx="5832648" cy="738664"/>
           </a:xfrm>
           <a:prstGeom prst="rect">
